--- a/Sound_ontology_update.pptx
+++ b/Sound_ontology_update.pptx
@@ -4039,7 +4039,10 @@
           <a:bodyPr/>
           <a:lstStyle/>
           <a:p>
-            <a:endParaRPr lang="en-US"/>
+            <a:r>
+              <a:rPr lang="en-US" dirty="0"/>
+              <a:t>Questions</a:t>
+            </a:r>
           </a:p>
         </p:txBody>
       </p:sp>
@@ -4064,7 +4067,39 @@
           <a:bodyPr/>
           <a:lstStyle/>
           <a:p>
-            <a:endParaRPr lang="en-US"/>
+            <a:r>
+              <a:rPr lang="en-US" dirty="0"/>
+              <a:t>What is the difference between a sound and its mechanism?</a:t>
+            </a:r>
+          </a:p>
+          <a:p>
+            <a:pPr lvl="1"/>
+            <a:r>
+              <a:rPr lang="en-US" dirty="0"/>
+              <a:t>Can a mechanism be defined for each sound?</a:t>
+            </a:r>
+          </a:p>
+          <a:p>
+            <a:r>
+              <a:rPr lang="en-US" dirty="0"/>
+              <a:t>How do categorize a sound unidentifiable sound? (</a:t>
+            </a:r>
+            <a:r>
+              <a:rPr lang="en-US" dirty="0" err="1"/>
+              <a:t>Lobanova</a:t>
+            </a:r>
+            <a:r>
+              <a:rPr lang="en-US"/>
+              <a:t> et al., </a:t>
+            </a:r>
+            <a:r>
+              <a:rPr lang="en-US" dirty="0"/>
+              <a:t>2007)</a:t>
+            </a:r>
+          </a:p>
+          <a:p>
+            <a:pPr lvl="1"/>
+            <a:endParaRPr lang="en-US" dirty="0"/>
           </a:p>
         </p:txBody>
       </p:sp>
